--- a/ppt 16-9/1123.在永生路上走.pptx
+++ b/ppt 16-9/1123.在永生路上走.pptx
@@ -129,7 +129,7 @@
           <p:cNvPr id="2" name="标题 1">
             <a:extLst>
               <a:ext uri="{FF2B5EF4-FFF2-40B4-BE49-F238E27FC236}">
-                <a16:creationId xmlns:a16="http://schemas.microsoft.com/office/drawing/2014/main" id="{F0D1D960-93BD-0AD2-205E-2B05861BC5BF}"/>
+                <a16:creationId xmlns:a16="http://schemas.microsoft.com/office/drawing/2014/main" id="{BBE85E39-EACF-91E6-AF1B-83410FFA75DE}"/>
               </a:ext>
             </a:extLst>
           </p:cNvPr>
@@ -166,7 +166,7 @@
           <p:cNvPr id="3" name="副标题 2">
             <a:extLst>
               <a:ext uri="{FF2B5EF4-FFF2-40B4-BE49-F238E27FC236}">
-                <a16:creationId xmlns:a16="http://schemas.microsoft.com/office/drawing/2014/main" id="{FE3FA6A3-72B1-1554-C180-DB717B7BDA40}"/>
+                <a16:creationId xmlns:a16="http://schemas.microsoft.com/office/drawing/2014/main" id="{3B54C389-1610-A38D-5334-2A46204390EE}"/>
               </a:ext>
             </a:extLst>
           </p:cNvPr>
@@ -236,7 +236,7 @@
           <p:cNvPr id="4" name="日期占位符 3">
             <a:extLst>
               <a:ext uri="{FF2B5EF4-FFF2-40B4-BE49-F238E27FC236}">
-                <a16:creationId xmlns:a16="http://schemas.microsoft.com/office/drawing/2014/main" id="{84AEB830-F8AD-6920-E3FE-9EDB28E6E121}"/>
+                <a16:creationId xmlns:a16="http://schemas.microsoft.com/office/drawing/2014/main" id="{94D172E9-008A-CFBE-6E38-1A88983C1F15}"/>
               </a:ext>
             </a:extLst>
           </p:cNvPr>
@@ -252,7 +252,7 @@
           <a:bodyPr/>
           <a:lstStyle/>
           <a:p>
-            <a:fld id="{2A044FB2-A45C-414A-B390-9B1C34009131}" type="datetimeFigureOut">
+            <a:fld id="{5EC46936-3249-44F4-917E-AFDE00193614}" type="datetimeFigureOut">
               <a:rPr lang="zh-CN" altLang="en-US" smtClean="0"/>
               <a:t>2024/3/10</a:t>
             </a:fld>
@@ -265,7 +265,7 @@
           <p:cNvPr id="5" name="页脚占位符 4">
             <a:extLst>
               <a:ext uri="{FF2B5EF4-FFF2-40B4-BE49-F238E27FC236}">
-                <a16:creationId xmlns:a16="http://schemas.microsoft.com/office/drawing/2014/main" id="{6B0C0BC2-8956-7F96-23E6-8E6CAE8E0838}"/>
+                <a16:creationId xmlns:a16="http://schemas.microsoft.com/office/drawing/2014/main" id="{FCED3854-F9B9-F59C-DB05-244BC6BFBE99}"/>
               </a:ext>
             </a:extLst>
           </p:cNvPr>
@@ -290,7 +290,7 @@
           <p:cNvPr id="6" name="灯片编号占位符 5">
             <a:extLst>
               <a:ext uri="{FF2B5EF4-FFF2-40B4-BE49-F238E27FC236}">
-                <a16:creationId xmlns:a16="http://schemas.microsoft.com/office/drawing/2014/main" id="{B5CC484D-EAAF-1AF2-8DF5-1366AEAB0763}"/>
+                <a16:creationId xmlns:a16="http://schemas.microsoft.com/office/drawing/2014/main" id="{1272D539-DF74-E626-3B88-CCA88C574E3E}"/>
               </a:ext>
             </a:extLst>
           </p:cNvPr>
@@ -306,7 +306,7 @@
           <a:bodyPr/>
           <a:lstStyle/>
           <a:p>
-            <a:fld id="{CF38AE5F-EFDB-4FB7-9F05-65893EF8E220}" type="slidenum">
+            <a:fld id="{9E17BB54-ABF4-41C7-A47B-0C55D703B584}" type="slidenum">
               <a:rPr lang="zh-CN" altLang="en-US" smtClean="0"/>
               <a:t>‹#›</a:t>
             </a:fld>
@@ -317,7 +317,7 @@
     </p:spTree>
     <p:extLst>
       <p:ext uri="{BB962C8B-B14F-4D97-AF65-F5344CB8AC3E}">
-        <p14:creationId xmlns:p14="http://schemas.microsoft.com/office/powerpoint/2010/main" val="1242320501"/>
+        <p14:creationId xmlns:p14="http://schemas.microsoft.com/office/powerpoint/2010/main" val="777072006"/>
       </p:ext>
     </p:extLst>
   </p:cSld>
@@ -349,7 +349,7 @@
           <p:cNvPr id="2" name="标题 1">
             <a:extLst>
               <a:ext uri="{FF2B5EF4-FFF2-40B4-BE49-F238E27FC236}">
-                <a16:creationId xmlns:a16="http://schemas.microsoft.com/office/drawing/2014/main" id="{8FF93B3F-F426-421E-576C-C7586491CFED}"/>
+                <a16:creationId xmlns:a16="http://schemas.microsoft.com/office/drawing/2014/main" id="{C6E77652-158F-5BE8-A7BA-BB2D7F48E29A}"/>
               </a:ext>
             </a:extLst>
           </p:cNvPr>
@@ -377,7 +377,7 @@
           <p:cNvPr id="3" name="竖排文字占位符 2">
             <a:extLst>
               <a:ext uri="{FF2B5EF4-FFF2-40B4-BE49-F238E27FC236}">
-                <a16:creationId xmlns:a16="http://schemas.microsoft.com/office/drawing/2014/main" id="{562CD3B4-2B45-806A-8999-7DA972860BDC}"/>
+                <a16:creationId xmlns:a16="http://schemas.microsoft.com/office/drawing/2014/main" id="{9D709397-17C0-311C-7BFF-563EF5ED8185}"/>
               </a:ext>
             </a:extLst>
           </p:cNvPr>
@@ -434,7 +434,7 @@
           <p:cNvPr id="4" name="日期占位符 3">
             <a:extLst>
               <a:ext uri="{FF2B5EF4-FFF2-40B4-BE49-F238E27FC236}">
-                <a16:creationId xmlns:a16="http://schemas.microsoft.com/office/drawing/2014/main" id="{7FC8DE89-08FF-ECF6-5A49-DFC45D68C7D4}"/>
+                <a16:creationId xmlns:a16="http://schemas.microsoft.com/office/drawing/2014/main" id="{9BB62CBA-F4AD-DD71-F040-E3D8288EAEF4}"/>
               </a:ext>
             </a:extLst>
           </p:cNvPr>
@@ -450,7 +450,7 @@
           <a:bodyPr/>
           <a:lstStyle/>
           <a:p>
-            <a:fld id="{2A044FB2-A45C-414A-B390-9B1C34009131}" type="datetimeFigureOut">
+            <a:fld id="{5EC46936-3249-44F4-917E-AFDE00193614}" type="datetimeFigureOut">
               <a:rPr lang="zh-CN" altLang="en-US" smtClean="0"/>
               <a:t>2024/3/10</a:t>
             </a:fld>
@@ -463,7 +463,7 @@
           <p:cNvPr id="5" name="页脚占位符 4">
             <a:extLst>
               <a:ext uri="{FF2B5EF4-FFF2-40B4-BE49-F238E27FC236}">
-                <a16:creationId xmlns:a16="http://schemas.microsoft.com/office/drawing/2014/main" id="{873AA6B9-DBFC-DF50-E855-401B1C4ADB05}"/>
+                <a16:creationId xmlns:a16="http://schemas.microsoft.com/office/drawing/2014/main" id="{8A789637-065F-2968-23AF-8CB33118F8E7}"/>
               </a:ext>
             </a:extLst>
           </p:cNvPr>
@@ -488,7 +488,7 @@
           <p:cNvPr id="6" name="灯片编号占位符 5">
             <a:extLst>
               <a:ext uri="{FF2B5EF4-FFF2-40B4-BE49-F238E27FC236}">
-                <a16:creationId xmlns:a16="http://schemas.microsoft.com/office/drawing/2014/main" id="{D3A25FD1-554F-3E17-81EA-646320993FE7}"/>
+                <a16:creationId xmlns:a16="http://schemas.microsoft.com/office/drawing/2014/main" id="{B07E02C0-ED16-712F-79BB-5CA4BC78E0D8}"/>
               </a:ext>
             </a:extLst>
           </p:cNvPr>
@@ -504,7 +504,7 @@
           <a:bodyPr/>
           <a:lstStyle/>
           <a:p>
-            <a:fld id="{CF38AE5F-EFDB-4FB7-9F05-65893EF8E220}" type="slidenum">
+            <a:fld id="{9E17BB54-ABF4-41C7-A47B-0C55D703B584}" type="slidenum">
               <a:rPr lang="zh-CN" altLang="en-US" smtClean="0"/>
               <a:t>‹#›</a:t>
             </a:fld>
@@ -515,7 +515,7 @@
     </p:spTree>
     <p:extLst>
       <p:ext uri="{BB962C8B-B14F-4D97-AF65-F5344CB8AC3E}">
-        <p14:creationId xmlns:p14="http://schemas.microsoft.com/office/powerpoint/2010/main" val="332251141"/>
+        <p14:creationId xmlns:p14="http://schemas.microsoft.com/office/powerpoint/2010/main" val="2138754861"/>
       </p:ext>
     </p:extLst>
   </p:cSld>
@@ -547,7 +547,7 @@
           <p:cNvPr id="2" name="竖排标题 1">
             <a:extLst>
               <a:ext uri="{FF2B5EF4-FFF2-40B4-BE49-F238E27FC236}">
-                <a16:creationId xmlns:a16="http://schemas.microsoft.com/office/drawing/2014/main" id="{5634110C-AE03-4033-7AF6-EDE38B8EB153}"/>
+                <a16:creationId xmlns:a16="http://schemas.microsoft.com/office/drawing/2014/main" id="{AB0489EC-8E96-34B6-CA56-DDC08055BFAD}"/>
               </a:ext>
             </a:extLst>
           </p:cNvPr>
@@ -580,7 +580,7 @@
           <p:cNvPr id="3" name="竖排文字占位符 2">
             <a:extLst>
               <a:ext uri="{FF2B5EF4-FFF2-40B4-BE49-F238E27FC236}">
-                <a16:creationId xmlns:a16="http://schemas.microsoft.com/office/drawing/2014/main" id="{87B62ABA-D8E4-84C2-01BB-E86F663AE951}"/>
+                <a16:creationId xmlns:a16="http://schemas.microsoft.com/office/drawing/2014/main" id="{7EB65785-65E2-7BCC-13F7-1392ABB6B18A}"/>
               </a:ext>
             </a:extLst>
           </p:cNvPr>
@@ -642,7 +642,7 @@
           <p:cNvPr id="4" name="日期占位符 3">
             <a:extLst>
               <a:ext uri="{FF2B5EF4-FFF2-40B4-BE49-F238E27FC236}">
-                <a16:creationId xmlns:a16="http://schemas.microsoft.com/office/drawing/2014/main" id="{5F4689C4-F574-AFAC-719B-F128C9A9E37B}"/>
+                <a16:creationId xmlns:a16="http://schemas.microsoft.com/office/drawing/2014/main" id="{F9F1B3D5-3C1B-95AB-C55F-73F5D51EB5E7}"/>
               </a:ext>
             </a:extLst>
           </p:cNvPr>
@@ -658,7 +658,7 @@
           <a:bodyPr/>
           <a:lstStyle/>
           <a:p>
-            <a:fld id="{2A044FB2-A45C-414A-B390-9B1C34009131}" type="datetimeFigureOut">
+            <a:fld id="{5EC46936-3249-44F4-917E-AFDE00193614}" type="datetimeFigureOut">
               <a:rPr lang="zh-CN" altLang="en-US" smtClean="0"/>
               <a:t>2024/3/10</a:t>
             </a:fld>
@@ -671,7 +671,7 @@
           <p:cNvPr id="5" name="页脚占位符 4">
             <a:extLst>
               <a:ext uri="{FF2B5EF4-FFF2-40B4-BE49-F238E27FC236}">
-                <a16:creationId xmlns:a16="http://schemas.microsoft.com/office/drawing/2014/main" id="{662F5DA2-336C-4075-1375-D7A85A9B4A64}"/>
+                <a16:creationId xmlns:a16="http://schemas.microsoft.com/office/drawing/2014/main" id="{7E64BF40-C218-0E2E-4E70-802AE21FCB8A}"/>
               </a:ext>
             </a:extLst>
           </p:cNvPr>
@@ -696,7 +696,7 @@
           <p:cNvPr id="6" name="灯片编号占位符 5">
             <a:extLst>
               <a:ext uri="{FF2B5EF4-FFF2-40B4-BE49-F238E27FC236}">
-                <a16:creationId xmlns:a16="http://schemas.microsoft.com/office/drawing/2014/main" id="{B905C986-C620-D0F1-BB81-73F0D3094382}"/>
+                <a16:creationId xmlns:a16="http://schemas.microsoft.com/office/drawing/2014/main" id="{09114511-8DB3-9EB8-00F8-127CEAEA51F1}"/>
               </a:ext>
             </a:extLst>
           </p:cNvPr>
@@ -712,7 +712,7 @@
           <a:bodyPr/>
           <a:lstStyle/>
           <a:p>
-            <a:fld id="{CF38AE5F-EFDB-4FB7-9F05-65893EF8E220}" type="slidenum">
+            <a:fld id="{9E17BB54-ABF4-41C7-A47B-0C55D703B584}" type="slidenum">
               <a:rPr lang="zh-CN" altLang="en-US" smtClean="0"/>
               <a:t>‹#›</a:t>
             </a:fld>
@@ -723,7 +723,7 @@
     </p:spTree>
     <p:extLst>
       <p:ext uri="{BB962C8B-B14F-4D97-AF65-F5344CB8AC3E}">
-        <p14:creationId xmlns:p14="http://schemas.microsoft.com/office/powerpoint/2010/main" val="2498976281"/>
+        <p14:creationId xmlns:p14="http://schemas.microsoft.com/office/powerpoint/2010/main" val="593495097"/>
       </p:ext>
     </p:extLst>
   </p:cSld>
@@ -755,7 +755,7 @@
           <p:cNvPr id="2" name="标题 1">
             <a:extLst>
               <a:ext uri="{FF2B5EF4-FFF2-40B4-BE49-F238E27FC236}">
-                <a16:creationId xmlns:a16="http://schemas.microsoft.com/office/drawing/2014/main" id="{7887C107-71AB-8801-2BB2-4CCD41E32947}"/>
+                <a16:creationId xmlns:a16="http://schemas.microsoft.com/office/drawing/2014/main" id="{6DF5575E-80E1-F90B-13B1-6E8DB80A4B06}"/>
               </a:ext>
             </a:extLst>
           </p:cNvPr>
@@ -783,7 +783,7 @@
           <p:cNvPr id="3" name="内容占位符 2">
             <a:extLst>
               <a:ext uri="{FF2B5EF4-FFF2-40B4-BE49-F238E27FC236}">
-                <a16:creationId xmlns:a16="http://schemas.microsoft.com/office/drawing/2014/main" id="{F4FDD802-4173-52E4-7BC4-BB945A11F304}"/>
+                <a16:creationId xmlns:a16="http://schemas.microsoft.com/office/drawing/2014/main" id="{0E5DA57D-712B-F829-60F9-C3723C4227B1}"/>
               </a:ext>
             </a:extLst>
           </p:cNvPr>
@@ -840,7 +840,7 @@
           <p:cNvPr id="4" name="日期占位符 3">
             <a:extLst>
               <a:ext uri="{FF2B5EF4-FFF2-40B4-BE49-F238E27FC236}">
-                <a16:creationId xmlns:a16="http://schemas.microsoft.com/office/drawing/2014/main" id="{89B02837-0224-BDFD-2EF5-10B9AA3D3751}"/>
+                <a16:creationId xmlns:a16="http://schemas.microsoft.com/office/drawing/2014/main" id="{0D0E411D-DF84-3885-58C1-FD5A8698A620}"/>
               </a:ext>
             </a:extLst>
           </p:cNvPr>
@@ -856,7 +856,7 @@
           <a:bodyPr/>
           <a:lstStyle/>
           <a:p>
-            <a:fld id="{2A044FB2-A45C-414A-B390-9B1C34009131}" type="datetimeFigureOut">
+            <a:fld id="{5EC46936-3249-44F4-917E-AFDE00193614}" type="datetimeFigureOut">
               <a:rPr lang="zh-CN" altLang="en-US" smtClean="0"/>
               <a:t>2024/3/10</a:t>
             </a:fld>
@@ -869,7 +869,7 @@
           <p:cNvPr id="5" name="页脚占位符 4">
             <a:extLst>
               <a:ext uri="{FF2B5EF4-FFF2-40B4-BE49-F238E27FC236}">
-                <a16:creationId xmlns:a16="http://schemas.microsoft.com/office/drawing/2014/main" id="{303C4276-CA6E-5E86-2F6B-133DB9331AEF}"/>
+                <a16:creationId xmlns:a16="http://schemas.microsoft.com/office/drawing/2014/main" id="{FC745786-5D67-1638-1854-CDD3CF2FEBE0}"/>
               </a:ext>
             </a:extLst>
           </p:cNvPr>
@@ -894,7 +894,7 @@
           <p:cNvPr id="6" name="灯片编号占位符 5">
             <a:extLst>
               <a:ext uri="{FF2B5EF4-FFF2-40B4-BE49-F238E27FC236}">
-                <a16:creationId xmlns:a16="http://schemas.microsoft.com/office/drawing/2014/main" id="{A08D75EA-37B3-51DF-5672-E9BF9AEF5812}"/>
+                <a16:creationId xmlns:a16="http://schemas.microsoft.com/office/drawing/2014/main" id="{DE6268A0-0834-404F-1B11-ED1F9491AF90}"/>
               </a:ext>
             </a:extLst>
           </p:cNvPr>
@@ -910,7 +910,7 @@
           <a:bodyPr/>
           <a:lstStyle/>
           <a:p>
-            <a:fld id="{CF38AE5F-EFDB-4FB7-9F05-65893EF8E220}" type="slidenum">
+            <a:fld id="{9E17BB54-ABF4-41C7-A47B-0C55D703B584}" type="slidenum">
               <a:rPr lang="zh-CN" altLang="en-US" smtClean="0"/>
               <a:t>‹#›</a:t>
             </a:fld>
@@ -921,7 +921,7 @@
     </p:spTree>
     <p:extLst>
       <p:ext uri="{BB962C8B-B14F-4D97-AF65-F5344CB8AC3E}">
-        <p14:creationId xmlns:p14="http://schemas.microsoft.com/office/powerpoint/2010/main" val="579633873"/>
+        <p14:creationId xmlns:p14="http://schemas.microsoft.com/office/powerpoint/2010/main" val="1453070862"/>
       </p:ext>
     </p:extLst>
   </p:cSld>
@@ -953,7 +953,7 @@
           <p:cNvPr id="2" name="标题 1">
             <a:extLst>
               <a:ext uri="{FF2B5EF4-FFF2-40B4-BE49-F238E27FC236}">
-                <a16:creationId xmlns:a16="http://schemas.microsoft.com/office/drawing/2014/main" id="{A76C0C62-5666-9152-4596-007FB8E54B9B}"/>
+                <a16:creationId xmlns:a16="http://schemas.microsoft.com/office/drawing/2014/main" id="{33051C04-A5E3-F913-7B1C-BCEAC4FA314E}"/>
               </a:ext>
             </a:extLst>
           </p:cNvPr>
@@ -990,7 +990,7 @@
           <p:cNvPr id="3" name="文本占位符 2">
             <a:extLst>
               <a:ext uri="{FF2B5EF4-FFF2-40B4-BE49-F238E27FC236}">
-                <a16:creationId xmlns:a16="http://schemas.microsoft.com/office/drawing/2014/main" id="{07436A63-1B48-93F0-50B6-11C76F9AA5B0}"/>
+                <a16:creationId xmlns:a16="http://schemas.microsoft.com/office/drawing/2014/main" id="{5C4A5B32-B5AD-3E74-0701-D20490FDA610}"/>
               </a:ext>
             </a:extLst>
           </p:cNvPr>
@@ -1115,7 +1115,7 @@
           <p:cNvPr id="4" name="日期占位符 3">
             <a:extLst>
               <a:ext uri="{FF2B5EF4-FFF2-40B4-BE49-F238E27FC236}">
-                <a16:creationId xmlns:a16="http://schemas.microsoft.com/office/drawing/2014/main" id="{B311F61B-61F4-5702-612C-95805102C410}"/>
+                <a16:creationId xmlns:a16="http://schemas.microsoft.com/office/drawing/2014/main" id="{8595C0E5-6072-9CBC-A69B-04846D85775F}"/>
               </a:ext>
             </a:extLst>
           </p:cNvPr>
@@ -1131,7 +1131,7 @@
           <a:bodyPr/>
           <a:lstStyle/>
           <a:p>
-            <a:fld id="{2A044FB2-A45C-414A-B390-9B1C34009131}" type="datetimeFigureOut">
+            <a:fld id="{5EC46936-3249-44F4-917E-AFDE00193614}" type="datetimeFigureOut">
               <a:rPr lang="zh-CN" altLang="en-US" smtClean="0"/>
               <a:t>2024/3/10</a:t>
             </a:fld>
@@ -1144,7 +1144,7 @@
           <p:cNvPr id="5" name="页脚占位符 4">
             <a:extLst>
               <a:ext uri="{FF2B5EF4-FFF2-40B4-BE49-F238E27FC236}">
-                <a16:creationId xmlns:a16="http://schemas.microsoft.com/office/drawing/2014/main" id="{4ECD505E-C049-7F4A-747B-BF7D6D34741D}"/>
+                <a16:creationId xmlns:a16="http://schemas.microsoft.com/office/drawing/2014/main" id="{A0AEF2CA-293E-2DF5-2C3C-8A50DD873ACD}"/>
               </a:ext>
             </a:extLst>
           </p:cNvPr>
@@ -1169,7 +1169,7 @@
           <p:cNvPr id="6" name="灯片编号占位符 5">
             <a:extLst>
               <a:ext uri="{FF2B5EF4-FFF2-40B4-BE49-F238E27FC236}">
-                <a16:creationId xmlns:a16="http://schemas.microsoft.com/office/drawing/2014/main" id="{4184D26A-2C79-FA81-8B59-4964A96B7EAF}"/>
+                <a16:creationId xmlns:a16="http://schemas.microsoft.com/office/drawing/2014/main" id="{A0C25B94-8631-7B1D-4C85-432EC49166B1}"/>
               </a:ext>
             </a:extLst>
           </p:cNvPr>
@@ -1185,7 +1185,7 @@
           <a:bodyPr/>
           <a:lstStyle/>
           <a:p>
-            <a:fld id="{CF38AE5F-EFDB-4FB7-9F05-65893EF8E220}" type="slidenum">
+            <a:fld id="{9E17BB54-ABF4-41C7-A47B-0C55D703B584}" type="slidenum">
               <a:rPr lang="zh-CN" altLang="en-US" smtClean="0"/>
               <a:t>‹#›</a:t>
             </a:fld>
@@ -1196,7 +1196,7 @@
     </p:spTree>
     <p:extLst>
       <p:ext uri="{BB962C8B-B14F-4D97-AF65-F5344CB8AC3E}">
-        <p14:creationId xmlns:p14="http://schemas.microsoft.com/office/powerpoint/2010/main" val="1615091225"/>
+        <p14:creationId xmlns:p14="http://schemas.microsoft.com/office/powerpoint/2010/main" val="4019164323"/>
       </p:ext>
     </p:extLst>
   </p:cSld>
@@ -1228,7 +1228,7 @@
           <p:cNvPr id="2" name="标题 1">
             <a:extLst>
               <a:ext uri="{FF2B5EF4-FFF2-40B4-BE49-F238E27FC236}">
-                <a16:creationId xmlns:a16="http://schemas.microsoft.com/office/drawing/2014/main" id="{3E41F7DD-6A26-AE8D-4329-5E7C781B62A4}"/>
+                <a16:creationId xmlns:a16="http://schemas.microsoft.com/office/drawing/2014/main" id="{6462947C-B60F-5366-0A3A-CF32E8B9F180}"/>
               </a:ext>
             </a:extLst>
           </p:cNvPr>
@@ -1256,7 +1256,7 @@
           <p:cNvPr id="3" name="内容占位符 2">
             <a:extLst>
               <a:ext uri="{FF2B5EF4-FFF2-40B4-BE49-F238E27FC236}">
-                <a16:creationId xmlns:a16="http://schemas.microsoft.com/office/drawing/2014/main" id="{ADEDD946-7477-F013-306D-1E6C890C1FDA}"/>
+                <a16:creationId xmlns:a16="http://schemas.microsoft.com/office/drawing/2014/main" id="{3FB75AB2-9932-9878-8E1D-1EE811D60311}"/>
               </a:ext>
             </a:extLst>
           </p:cNvPr>
@@ -1318,7 +1318,7 @@
           <p:cNvPr id="4" name="内容占位符 3">
             <a:extLst>
               <a:ext uri="{FF2B5EF4-FFF2-40B4-BE49-F238E27FC236}">
-                <a16:creationId xmlns:a16="http://schemas.microsoft.com/office/drawing/2014/main" id="{1D6073FA-620C-3C7F-E83F-8552742FF567}"/>
+                <a16:creationId xmlns:a16="http://schemas.microsoft.com/office/drawing/2014/main" id="{0DB03AD9-03CC-4EFC-586D-A8DADE8E70E4}"/>
               </a:ext>
             </a:extLst>
           </p:cNvPr>
@@ -1380,7 +1380,7 @@
           <p:cNvPr id="5" name="日期占位符 4">
             <a:extLst>
               <a:ext uri="{FF2B5EF4-FFF2-40B4-BE49-F238E27FC236}">
-                <a16:creationId xmlns:a16="http://schemas.microsoft.com/office/drawing/2014/main" id="{573FB5AB-96C9-6805-04C6-7F209075398E}"/>
+                <a16:creationId xmlns:a16="http://schemas.microsoft.com/office/drawing/2014/main" id="{96342477-67C5-3B66-3BC7-2845E1B34FA6}"/>
               </a:ext>
             </a:extLst>
           </p:cNvPr>
@@ -1396,7 +1396,7 @@
           <a:bodyPr/>
           <a:lstStyle/>
           <a:p>
-            <a:fld id="{2A044FB2-A45C-414A-B390-9B1C34009131}" type="datetimeFigureOut">
+            <a:fld id="{5EC46936-3249-44F4-917E-AFDE00193614}" type="datetimeFigureOut">
               <a:rPr lang="zh-CN" altLang="en-US" smtClean="0"/>
               <a:t>2024/3/10</a:t>
             </a:fld>
@@ -1409,7 +1409,7 @@
           <p:cNvPr id="6" name="页脚占位符 5">
             <a:extLst>
               <a:ext uri="{FF2B5EF4-FFF2-40B4-BE49-F238E27FC236}">
-                <a16:creationId xmlns:a16="http://schemas.microsoft.com/office/drawing/2014/main" id="{81CAEFE0-9202-46DD-C07E-DE8CAAE848B1}"/>
+                <a16:creationId xmlns:a16="http://schemas.microsoft.com/office/drawing/2014/main" id="{357890F8-3C7B-7AB9-9284-4C7038B66487}"/>
               </a:ext>
             </a:extLst>
           </p:cNvPr>
@@ -1434,7 +1434,7 @@
           <p:cNvPr id="7" name="灯片编号占位符 6">
             <a:extLst>
               <a:ext uri="{FF2B5EF4-FFF2-40B4-BE49-F238E27FC236}">
-                <a16:creationId xmlns:a16="http://schemas.microsoft.com/office/drawing/2014/main" id="{2F0BA577-B304-99DC-E797-DA6BA5683905}"/>
+                <a16:creationId xmlns:a16="http://schemas.microsoft.com/office/drawing/2014/main" id="{FBE80E0C-FA3D-3D41-7722-32F8CF57107F}"/>
               </a:ext>
             </a:extLst>
           </p:cNvPr>
@@ -1450,7 +1450,7 @@
           <a:bodyPr/>
           <a:lstStyle/>
           <a:p>
-            <a:fld id="{CF38AE5F-EFDB-4FB7-9F05-65893EF8E220}" type="slidenum">
+            <a:fld id="{9E17BB54-ABF4-41C7-A47B-0C55D703B584}" type="slidenum">
               <a:rPr lang="zh-CN" altLang="en-US" smtClean="0"/>
               <a:t>‹#›</a:t>
             </a:fld>
@@ -1461,7 +1461,7 @@
     </p:spTree>
     <p:extLst>
       <p:ext uri="{BB962C8B-B14F-4D97-AF65-F5344CB8AC3E}">
-        <p14:creationId xmlns:p14="http://schemas.microsoft.com/office/powerpoint/2010/main" val="603231411"/>
+        <p14:creationId xmlns:p14="http://schemas.microsoft.com/office/powerpoint/2010/main" val="3262966915"/>
       </p:ext>
     </p:extLst>
   </p:cSld>
@@ -1493,7 +1493,7 @@
           <p:cNvPr id="2" name="标题 1">
             <a:extLst>
               <a:ext uri="{FF2B5EF4-FFF2-40B4-BE49-F238E27FC236}">
-                <a16:creationId xmlns:a16="http://schemas.microsoft.com/office/drawing/2014/main" id="{3B885E4F-08A6-62B2-6BFA-DE813E6CB883}"/>
+                <a16:creationId xmlns:a16="http://schemas.microsoft.com/office/drawing/2014/main" id="{EC7BB0FF-6123-4B91-B159-BBF24DE73B18}"/>
               </a:ext>
             </a:extLst>
           </p:cNvPr>
@@ -1526,7 +1526,7 @@
           <p:cNvPr id="3" name="文本占位符 2">
             <a:extLst>
               <a:ext uri="{FF2B5EF4-FFF2-40B4-BE49-F238E27FC236}">
-                <a16:creationId xmlns:a16="http://schemas.microsoft.com/office/drawing/2014/main" id="{E606CDB9-E13A-84F2-20C9-67DA3E608736}"/>
+                <a16:creationId xmlns:a16="http://schemas.microsoft.com/office/drawing/2014/main" id="{61BE3D44-9B96-5F3D-040C-F1906A7337CD}"/>
               </a:ext>
             </a:extLst>
           </p:cNvPr>
@@ -1597,7 +1597,7 @@
           <p:cNvPr id="4" name="内容占位符 3">
             <a:extLst>
               <a:ext uri="{FF2B5EF4-FFF2-40B4-BE49-F238E27FC236}">
-                <a16:creationId xmlns:a16="http://schemas.microsoft.com/office/drawing/2014/main" id="{2D3BAD35-486D-49CD-F4DB-075404595940}"/>
+                <a16:creationId xmlns:a16="http://schemas.microsoft.com/office/drawing/2014/main" id="{1C427321-059D-BAAA-1213-B6D678C6D680}"/>
               </a:ext>
             </a:extLst>
           </p:cNvPr>
@@ -1659,7 +1659,7 @@
           <p:cNvPr id="5" name="文本占位符 4">
             <a:extLst>
               <a:ext uri="{FF2B5EF4-FFF2-40B4-BE49-F238E27FC236}">
-                <a16:creationId xmlns:a16="http://schemas.microsoft.com/office/drawing/2014/main" id="{86AA1103-E689-59F0-E922-A6B43CCF7FC7}"/>
+                <a16:creationId xmlns:a16="http://schemas.microsoft.com/office/drawing/2014/main" id="{594D2BA4-B016-EB20-98FB-572528C45D51}"/>
               </a:ext>
             </a:extLst>
           </p:cNvPr>
@@ -1730,7 +1730,7 @@
           <p:cNvPr id="6" name="内容占位符 5">
             <a:extLst>
               <a:ext uri="{FF2B5EF4-FFF2-40B4-BE49-F238E27FC236}">
-                <a16:creationId xmlns:a16="http://schemas.microsoft.com/office/drawing/2014/main" id="{5DF38D69-5F80-7554-E362-DF43639E3CBF}"/>
+                <a16:creationId xmlns:a16="http://schemas.microsoft.com/office/drawing/2014/main" id="{7AC46312-B35F-D315-113E-532A642A0725}"/>
               </a:ext>
             </a:extLst>
           </p:cNvPr>
@@ -1792,7 +1792,7 @@
           <p:cNvPr id="7" name="日期占位符 6">
             <a:extLst>
               <a:ext uri="{FF2B5EF4-FFF2-40B4-BE49-F238E27FC236}">
-                <a16:creationId xmlns:a16="http://schemas.microsoft.com/office/drawing/2014/main" id="{051DC139-5D0E-EC0C-2CDB-BD11A08F9B7C}"/>
+                <a16:creationId xmlns:a16="http://schemas.microsoft.com/office/drawing/2014/main" id="{3A22E7C3-76A1-C08A-4C17-3328E93CA265}"/>
               </a:ext>
             </a:extLst>
           </p:cNvPr>
@@ -1808,7 +1808,7 @@
           <a:bodyPr/>
           <a:lstStyle/>
           <a:p>
-            <a:fld id="{2A044FB2-A45C-414A-B390-9B1C34009131}" type="datetimeFigureOut">
+            <a:fld id="{5EC46936-3249-44F4-917E-AFDE00193614}" type="datetimeFigureOut">
               <a:rPr lang="zh-CN" altLang="en-US" smtClean="0"/>
               <a:t>2024/3/10</a:t>
             </a:fld>
@@ -1821,7 +1821,7 @@
           <p:cNvPr id="8" name="页脚占位符 7">
             <a:extLst>
               <a:ext uri="{FF2B5EF4-FFF2-40B4-BE49-F238E27FC236}">
-                <a16:creationId xmlns:a16="http://schemas.microsoft.com/office/drawing/2014/main" id="{51F82B0B-F507-7293-4395-484C7A987FB6}"/>
+                <a16:creationId xmlns:a16="http://schemas.microsoft.com/office/drawing/2014/main" id="{B4CDADA8-08D6-7944-8667-B9996AEB4F07}"/>
               </a:ext>
             </a:extLst>
           </p:cNvPr>
@@ -1846,7 +1846,7 @@
           <p:cNvPr id="9" name="灯片编号占位符 8">
             <a:extLst>
               <a:ext uri="{FF2B5EF4-FFF2-40B4-BE49-F238E27FC236}">
-                <a16:creationId xmlns:a16="http://schemas.microsoft.com/office/drawing/2014/main" id="{1E2520AC-7C49-FD73-DC2F-A4C1F80B622D}"/>
+                <a16:creationId xmlns:a16="http://schemas.microsoft.com/office/drawing/2014/main" id="{27B3CBDA-767C-59E1-E18B-7AF0187C3121}"/>
               </a:ext>
             </a:extLst>
           </p:cNvPr>
@@ -1862,7 +1862,7 @@
           <a:bodyPr/>
           <a:lstStyle/>
           <a:p>
-            <a:fld id="{CF38AE5F-EFDB-4FB7-9F05-65893EF8E220}" type="slidenum">
+            <a:fld id="{9E17BB54-ABF4-41C7-A47B-0C55D703B584}" type="slidenum">
               <a:rPr lang="zh-CN" altLang="en-US" smtClean="0"/>
               <a:t>‹#›</a:t>
             </a:fld>
@@ -1873,7 +1873,7 @@
     </p:spTree>
     <p:extLst>
       <p:ext uri="{BB962C8B-B14F-4D97-AF65-F5344CB8AC3E}">
-        <p14:creationId xmlns:p14="http://schemas.microsoft.com/office/powerpoint/2010/main" val="377829013"/>
+        <p14:creationId xmlns:p14="http://schemas.microsoft.com/office/powerpoint/2010/main" val="2188046134"/>
       </p:ext>
     </p:extLst>
   </p:cSld>
@@ -1905,7 +1905,7 @@
           <p:cNvPr id="2" name="标题 1">
             <a:extLst>
               <a:ext uri="{FF2B5EF4-FFF2-40B4-BE49-F238E27FC236}">
-                <a16:creationId xmlns:a16="http://schemas.microsoft.com/office/drawing/2014/main" id="{3F91A1D7-C357-84B0-64A4-010A66CB39CB}"/>
+                <a16:creationId xmlns:a16="http://schemas.microsoft.com/office/drawing/2014/main" id="{B6A91297-10BC-1628-6E72-4FAEDCCB8215}"/>
               </a:ext>
             </a:extLst>
           </p:cNvPr>
@@ -1933,7 +1933,7 @@
           <p:cNvPr id="3" name="日期占位符 2">
             <a:extLst>
               <a:ext uri="{FF2B5EF4-FFF2-40B4-BE49-F238E27FC236}">
-                <a16:creationId xmlns:a16="http://schemas.microsoft.com/office/drawing/2014/main" id="{0C08DBF3-B7DD-646A-FBA7-D800C1605294}"/>
+                <a16:creationId xmlns:a16="http://schemas.microsoft.com/office/drawing/2014/main" id="{318F8A3E-E220-F94E-58B5-9017A4C9FC05}"/>
               </a:ext>
             </a:extLst>
           </p:cNvPr>
@@ -1949,7 +1949,7 @@
           <a:bodyPr/>
           <a:lstStyle/>
           <a:p>
-            <a:fld id="{2A044FB2-A45C-414A-B390-9B1C34009131}" type="datetimeFigureOut">
+            <a:fld id="{5EC46936-3249-44F4-917E-AFDE00193614}" type="datetimeFigureOut">
               <a:rPr lang="zh-CN" altLang="en-US" smtClean="0"/>
               <a:t>2024/3/10</a:t>
             </a:fld>
@@ -1962,7 +1962,7 @@
           <p:cNvPr id="4" name="页脚占位符 3">
             <a:extLst>
               <a:ext uri="{FF2B5EF4-FFF2-40B4-BE49-F238E27FC236}">
-                <a16:creationId xmlns:a16="http://schemas.microsoft.com/office/drawing/2014/main" id="{235888B3-4EFB-B128-EAA2-E04CA8CFA589}"/>
+                <a16:creationId xmlns:a16="http://schemas.microsoft.com/office/drawing/2014/main" id="{7EBD3EE2-9B9B-7727-B250-C6B143546EE3}"/>
               </a:ext>
             </a:extLst>
           </p:cNvPr>
@@ -1987,7 +1987,7 @@
           <p:cNvPr id="5" name="灯片编号占位符 4">
             <a:extLst>
               <a:ext uri="{FF2B5EF4-FFF2-40B4-BE49-F238E27FC236}">
-                <a16:creationId xmlns:a16="http://schemas.microsoft.com/office/drawing/2014/main" id="{A55BEBE3-643D-8179-1AA6-75886E982F09}"/>
+                <a16:creationId xmlns:a16="http://schemas.microsoft.com/office/drawing/2014/main" id="{648B7D58-EFCB-7AC9-3EA5-DFBDD281AB8F}"/>
               </a:ext>
             </a:extLst>
           </p:cNvPr>
@@ -2003,7 +2003,7 @@
           <a:bodyPr/>
           <a:lstStyle/>
           <a:p>
-            <a:fld id="{CF38AE5F-EFDB-4FB7-9F05-65893EF8E220}" type="slidenum">
+            <a:fld id="{9E17BB54-ABF4-41C7-A47B-0C55D703B584}" type="slidenum">
               <a:rPr lang="zh-CN" altLang="en-US" smtClean="0"/>
               <a:t>‹#›</a:t>
             </a:fld>
@@ -2014,7 +2014,7 @@
     </p:spTree>
     <p:extLst>
       <p:ext uri="{BB962C8B-B14F-4D97-AF65-F5344CB8AC3E}">
-        <p14:creationId xmlns:p14="http://schemas.microsoft.com/office/powerpoint/2010/main" val="3716512456"/>
+        <p14:creationId xmlns:p14="http://schemas.microsoft.com/office/powerpoint/2010/main" val="2258656419"/>
       </p:ext>
     </p:extLst>
   </p:cSld>
@@ -2046,7 +2046,7 @@
           <p:cNvPr id="2" name="日期占位符 1">
             <a:extLst>
               <a:ext uri="{FF2B5EF4-FFF2-40B4-BE49-F238E27FC236}">
-                <a16:creationId xmlns:a16="http://schemas.microsoft.com/office/drawing/2014/main" id="{AC31D8DB-9DA8-B28C-2AC8-A82C08D9D69E}"/>
+                <a16:creationId xmlns:a16="http://schemas.microsoft.com/office/drawing/2014/main" id="{D24979FD-8737-7EB4-6375-330BF6E31EEA}"/>
               </a:ext>
             </a:extLst>
           </p:cNvPr>
@@ -2062,7 +2062,7 @@
           <a:bodyPr/>
           <a:lstStyle/>
           <a:p>
-            <a:fld id="{2A044FB2-A45C-414A-B390-9B1C34009131}" type="datetimeFigureOut">
+            <a:fld id="{5EC46936-3249-44F4-917E-AFDE00193614}" type="datetimeFigureOut">
               <a:rPr lang="zh-CN" altLang="en-US" smtClean="0"/>
               <a:t>2024/3/10</a:t>
             </a:fld>
@@ -2075,7 +2075,7 @@
           <p:cNvPr id="3" name="页脚占位符 2">
             <a:extLst>
               <a:ext uri="{FF2B5EF4-FFF2-40B4-BE49-F238E27FC236}">
-                <a16:creationId xmlns:a16="http://schemas.microsoft.com/office/drawing/2014/main" id="{6A904485-A620-FB97-19B9-16F91A0641EE}"/>
+                <a16:creationId xmlns:a16="http://schemas.microsoft.com/office/drawing/2014/main" id="{C286B293-01B3-8CB1-031B-CCE541BB30A1}"/>
               </a:ext>
             </a:extLst>
           </p:cNvPr>
@@ -2100,7 +2100,7 @@
           <p:cNvPr id="4" name="灯片编号占位符 3">
             <a:extLst>
               <a:ext uri="{FF2B5EF4-FFF2-40B4-BE49-F238E27FC236}">
-                <a16:creationId xmlns:a16="http://schemas.microsoft.com/office/drawing/2014/main" id="{551E1ABF-F21D-7DF6-021A-2CCEA545B63F}"/>
+                <a16:creationId xmlns:a16="http://schemas.microsoft.com/office/drawing/2014/main" id="{21CC2CAF-E4CB-2BDA-5CDC-5BF673ECDD35}"/>
               </a:ext>
             </a:extLst>
           </p:cNvPr>
@@ -2116,7 +2116,7 @@
           <a:bodyPr/>
           <a:lstStyle/>
           <a:p>
-            <a:fld id="{CF38AE5F-EFDB-4FB7-9F05-65893EF8E220}" type="slidenum">
+            <a:fld id="{9E17BB54-ABF4-41C7-A47B-0C55D703B584}" type="slidenum">
               <a:rPr lang="zh-CN" altLang="en-US" smtClean="0"/>
               <a:t>‹#›</a:t>
             </a:fld>
@@ -2127,7 +2127,7 @@
     </p:spTree>
     <p:extLst>
       <p:ext uri="{BB962C8B-B14F-4D97-AF65-F5344CB8AC3E}">
-        <p14:creationId xmlns:p14="http://schemas.microsoft.com/office/powerpoint/2010/main" val="3686760172"/>
+        <p14:creationId xmlns:p14="http://schemas.microsoft.com/office/powerpoint/2010/main" val="720060876"/>
       </p:ext>
     </p:extLst>
   </p:cSld>
@@ -2159,7 +2159,7 @@
           <p:cNvPr id="2" name="标题 1">
             <a:extLst>
               <a:ext uri="{FF2B5EF4-FFF2-40B4-BE49-F238E27FC236}">
-                <a16:creationId xmlns:a16="http://schemas.microsoft.com/office/drawing/2014/main" id="{D2C821B0-45FA-ED64-78A0-66A1FFC575CF}"/>
+                <a16:creationId xmlns:a16="http://schemas.microsoft.com/office/drawing/2014/main" id="{BC7AE718-B9DE-98B5-45E6-011940308350}"/>
               </a:ext>
             </a:extLst>
           </p:cNvPr>
@@ -2196,7 +2196,7 @@
           <p:cNvPr id="3" name="内容占位符 2">
             <a:extLst>
               <a:ext uri="{FF2B5EF4-FFF2-40B4-BE49-F238E27FC236}">
-                <a16:creationId xmlns:a16="http://schemas.microsoft.com/office/drawing/2014/main" id="{2C90624E-0023-0B1A-EC44-FA43085A170E}"/>
+                <a16:creationId xmlns:a16="http://schemas.microsoft.com/office/drawing/2014/main" id="{34ED00B1-AC52-D1E2-B372-EB308F0C90B5}"/>
               </a:ext>
             </a:extLst>
           </p:cNvPr>
@@ -2286,7 +2286,7 @@
           <p:cNvPr id="4" name="文本占位符 3">
             <a:extLst>
               <a:ext uri="{FF2B5EF4-FFF2-40B4-BE49-F238E27FC236}">
-                <a16:creationId xmlns:a16="http://schemas.microsoft.com/office/drawing/2014/main" id="{E86FBBFF-F25F-A3EA-50D8-52940F082EF1}"/>
+                <a16:creationId xmlns:a16="http://schemas.microsoft.com/office/drawing/2014/main" id="{3C144F4B-10F7-F834-5F2D-100BA914D1A0}"/>
               </a:ext>
             </a:extLst>
           </p:cNvPr>
@@ -2357,7 +2357,7 @@
           <p:cNvPr id="5" name="日期占位符 4">
             <a:extLst>
               <a:ext uri="{FF2B5EF4-FFF2-40B4-BE49-F238E27FC236}">
-                <a16:creationId xmlns:a16="http://schemas.microsoft.com/office/drawing/2014/main" id="{9F92EA75-1121-92A8-1153-A524914E36BC}"/>
+                <a16:creationId xmlns:a16="http://schemas.microsoft.com/office/drawing/2014/main" id="{493EC7A7-C12C-344C-32B0-F5D21F3723B2}"/>
               </a:ext>
             </a:extLst>
           </p:cNvPr>
@@ -2373,7 +2373,7 @@
           <a:bodyPr/>
           <a:lstStyle/>
           <a:p>
-            <a:fld id="{2A044FB2-A45C-414A-B390-9B1C34009131}" type="datetimeFigureOut">
+            <a:fld id="{5EC46936-3249-44F4-917E-AFDE00193614}" type="datetimeFigureOut">
               <a:rPr lang="zh-CN" altLang="en-US" smtClean="0"/>
               <a:t>2024/3/10</a:t>
             </a:fld>
@@ -2386,7 +2386,7 @@
           <p:cNvPr id="6" name="页脚占位符 5">
             <a:extLst>
               <a:ext uri="{FF2B5EF4-FFF2-40B4-BE49-F238E27FC236}">
-                <a16:creationId xmlns:a16="http://schemas.microsoft.com/office/drawing/2014/main" id="{BD34685F-C99B-52A5-A281-4CAA1F8580B2}"/>
+                <a16:creationId xmlns:a16="http://schemas.microsoft.com/office/drawing/2014/main" id="{828A898C-3516-B8B3-49AA-18B23A44CA04}"/>
               </a:ext>
             </a:extLst>
           </p:cNvPr>
@@ -2411,7 +2411,7 @@
           <p:cNvPr id="7" name="灯片编号占位符 6">
             <a:extLst>
               <a:ext uri="{FF2B5EF4-FFF2-40B4-BE49-F238E27FC236}">
-                <a16:creationId xmlns:a16="http://schemas.microsoft.com/office/drawing/2014/main" id="{AC7BF4A0-95C0-71D0-45AA-DDFA62C2D963}"/>
+                <a16:creationId xmlns:a16="http://schemas.microsoft.com/office/drawing/2014/main" id="{DFD94827-27FD-3824-6FD1-39377104F69A}"/>
               </a:ext>
             </a:extLst>
           </p:cNvPr>
@@ -2427,7 +2427,7 @@
           <a:bodyPr/>
           <a:lstStyle/>
           <a:p>
-            <a:fld id="{CF38AE5F-EFDB-4FB7-9F05-65893EF8E220}" type="slidenum">
+            <a:fld id="{9E17BB54-ABF4-41C7-A47B-0C55D703B584}" type="slidenum">
               <a:rPr lang="zh-CN" altLang="en-US" smtClean="0"/>
               <a:t>‹#›</a:t>
             </a:fld>
@@ -2438,7 +2438,7 @@
     </p:spTree>
     <p:extLst>
       <p:ext uri="{BB962C8B-B14F-4D97-AF65-F5344CB8AC3E}">
-        <p14:creationId xmlns:p14="http://schemas.microsoft.com/office/powerpoint/2010/main" val="373971968"/>
+        <p14:creationId xmlns:p14="http://schemas.microsoft.com/office/powerpoint/2010/main" val="1326962725"/>
       </p:ext>
     </p:extLst>
   </p:cSld>
@@ -2470,7 +2470,7 @@
           <p:cNvPr id="2" name="标题 1">
             <a:extLst>
               <a:ext uri="{FF2B5EF4-FFF2-40B4-BE49-F238E27FC236}">
-                <a16:creationId xmlns:a16="http://schemas.microsoft.com/office/drawing/2014/main" id="{3873ED4C-9766-2A25-8605-FA2053257A36}"/>
+                <a16:creationId xmlns:a16="http://schemas.microsoft.com/office/drawing/2014/main" id="{50453296-D96F-9DDD-EDFB-EE5D396B3290}"/>
               </a:ext>
             </a:extLst>
           </p:cNvPr>
@@ -2507,7 +2507,7 @@
           <p:cNvPr id="3" name="图片占位符 2">
             <a:extLst>
               <a:ext uri="{FF2B5EF4-FFF2-40B4-BE49-F238E27FC236}">
-                <a16:creationId xmlns:a16="http://schemas.microsoft.com/office/drawing/2014/main" id="{4B6E6E44-837C-5AE1-B03B-E51CDECF1F35}"/>
+                <a16:creationId xmlns:a16="http://schemas.microsoft.com/office/drawing/2014/main" id="{D3279750-66CB-05EE-B812-ACA8C70C0B4B}"/>
               </a:ext>
             </a:extLst>
           </p:cNvPr>
@@ -2574,7 +2574,7 @@
           <p:cNvPr id="4" name="文本占位符 3">
             <a:extLst>
               <a:ext uri="{FF2B5EF4-FFF2-40B4-BE49-F238E27FC236}">
-                <a16:creationId xmlns:a16="http://schemas.microsoft.com/office/drawing/2014/main" id="{503DC181-BFA8-F5C3-286A-93DAEC6DB090}"/>
+                <a16:creationId xmlns:a16="http://schemas.microsoft.com/office/drawing/2014/main" id="{EDDB181C-2EC4-8850-7586-513231B8DABE}"/>
               </a:ext>
             </a:extLst>
           </p:cNvPr>
@@ -2645,7 +2645,7 @@
           <p:cNvPr id="5" name="日期占位符 4">
             <a:extLst>
               <a:ext uri="{FF2B5EF4-FFF2-40B4-BE49-F238E27FC236}">
-                <a16:creationId xmlns:a16="http://schemas.microsoft.com/office/drawing/2014/main" id="{DC0B2FA0-BB3D-D881-090E-2D5FF9C05129}"/>
+                <a16:creationId xmlns:a16="http://schemas.microsoft.com/office/drawing/2014/main" id="{212D6C9F-F3A2-0E40-84A8-94142AA6C9F8}"/>
               </a:ext>
             </a:extLst>
           </p:cNvPr>
@@ -2661,7 +2661,7 @@
           <a:bodyPr/>
           <a:lstStyle/>
           <a:p>
-            <a:fld id="{2A044FB2-A45C-414A-B390-9B1C34009131}" type="datetimeFigureOut">
+            <a:fld id="{5EC46936-3249-44F4-917E-AFDE00193614}" type="datetimeFigureOut">
               <a:rPr lang="zh-CN" altLang="en-US" smtClean="0"/>
               <a:t>2024/3/10</a:t>
             </a:fld>
@@ -2674,7 +2674,7 @@
           <p:cNvPr id="6" name="页脚占位符 5">
             <a:extLst>
               <a:ext uri="{FF2B5EF4-FFF2-40B4-BE49-F238E27FC236}">
-                <a16:creationId xmlns:a16="http://schemas.microsoft.com/office/drawing/2014/main" id="{534C7E97-86ED-2459-B190-3FA34C68269F}"/>
+                <a16:creationId xmlns:a16="http://schemas.microsoft.com/office/drawing/2014/main" id="{34FD5986-8FE3-0C72-15F3-F34ACAA55921}"/>
               </a:ext>
             </a:extLst>
           </p:cNvPr>
@@ -2699,7 +2699,7 @@
           <p:cNvPr id="7" name="灯片编号占位符 6">
             <a:extLst>
               <a:ext uri="{FF2B5EF4-FFF2-40B4-BE49-F238E27FC236}">
-                <a16:creationId xmlns:a16="http://schemas.microsoft.com/office/drawing/2014/main" id="{051BCF0C-A4EE-F5FD-A3DC-BE7699F8DA39}"/>
+                <a16:creationId xmlns:a16="http://schemas.microsoft.com/office/drawing/2014/main" id="{8CE2AA06-B60B-8E32-C7FD-EEAA6AA369D9}"/>
               </a:ext>
             </a:extLst>
           </p:cNvPr>
@@ -2715,7 +2715,7 @@
           <a:bodyPr/>
           <a:lstStyle/>
           <a:p>
-            <a:fld id="{CF38AE5F-EFDB-4FB7-9F05-65893EF8E220}" type="slidenum">
+            <a:fld id="{9E17BB54-ABF4-41C7-A47B-0C55D703B584}" type="slidenum">
               <a:rPr lang="zh-CN" altLang="en-US" smtClean="0"/>
               <a:t>‹#›</a:t>
             </a:fld>
@@ -2726,7 +2726,7 @@
     </p:spTree>
     <p:extLst>
       <p:ext uri="{BB962C8B-B14F-4D97-AF65-F5344CB8AC3E}">
-        <p14:creationId xmlns:p14="http://schemas.microsoft.com/office/powerpoint/2010/main" val="630649544"/>
+        <p14:creationId xmlns:p14="http://schemas.microsoft.com/office/powerpoint/2010/main" val="68695472"/>
       </p:ext>
     </p:extLst>
   </p:cSld>
@@ -2763,7 +2763,7 @@
           <p:cNvPr id="2" name="标题占位符 1">
             <a:extLst>
               <a:ext uri="{FF2B5EF4-FFF2-40B4-BE49-F238E27FC236}">
-                <a16:creationId xmlns:a16="http://schemas.microsoft.com/office/drawing/2014/main" id="{C91BA480-8789-8B17-B277-72AA382AF0EE}"/>
+                <a16:creationId xmlns:a16="http://schemas.microsoft.com/office/drawing/2014/main" id="{AE39E507-D10C-2360-35ED-28B9A714B2CD}"/>
               </a:ext>
             </a:extLst>
           </p:cNvPr>
@@ -2801,7 +2801,7 @@
           <p:cNvPr id="3" name="文本占位符 2">
             <a:extLst>
               <a:ext uri="{FF2B5EF4-FFF2-40B4-BE49-F238E27FC236}">
-                <a16:creationId xmlns:a16="http://schemas.microsoft.com/office/drawing/2014/main" id="{F4DEFAEF-CB73-C1CF-9E10-1014B91CA323}"/>
+                <a16:creationId xmlns:a16="http://schemas.microsoft.com/office/drawing/2014/main" id="{966E32E2-B570-3EB6-D99A-BCF1450CF3F4}"/>
               </a:ext>
             </a:extLst>
           </p:cNvPr>
@@ -2868,7 +2868,7 @@
           <p:cNvPr id="4" name="日期占位符 3">
             <a:extLst>
               <a:ext uri="{FF2B5EF4-FFF2-40B4-BE49-F238E27FC236}">
-                <a16:creationId xmlns:a16="http://schemas.microsoft.com/office/drawing/2014/main" id="{4ED151C3-D552-0263-B172-AD07D4F26DB1}"/>
+                <a16:creationId xmlns:a16="http://schemas.microsoft.com/office/drawing/2014/main" id="{142D0C90-AD93-F0EF-B27D-415F240167C6}"/>
               </a:ext>
             </a:extLst>
           </p:cNvPr>
@@ -2902,7 +2902,7 @@
             </a:lvl1pPr>
           </a:lstStyle>
           <a:p>
-            <a:fld id="{2A044FB2-A45C-414A-B390-9B1C34009131}" type="datetimeFigureOut">
+            <a:fld id="{5EC46936-3249-44F4-917E-AFDE00193614}" type="datetimeFigureOut">
               <a:rPr lang="zh-CN" altLang="en-US" smtClean="0"/>
               <a:t>2024/3/10</a:t>
             </a:fld>
@@ -2915,7 +2915,7 @@
           <p:cNvPr id="5" name="页脚占位符 4">
             <a:extLst>
               <a:ext uri="{FF2B5EF4-FFF2-40B4-BE49-F238E27FC236}">
-                <a16:creationId xmlns:a16="http://schemas.microsoft.com/office/drawing/2014/main" id="{8496794E-954B-94F9-40CB-4E69B7158CBF}"/>
+                <a16:creationId xmlns:a16="http://schemas.microsoft.com/office/drawing/2014/main" id="{D08FC903-6293-076D-26DE-9DA2C2265905}"/>
               </a:ext>
             </a:extLst>
           </p:cNvPr>
@@ -2958,7 +2958,7 @@
           <p:cNvPr id="6" name="灯片编号占位符 5">
             <a:extLst>
               <a:ext uri="{FF2B5EF4-FFF2-40B4-BE49-F238E27FC236}">
-                <a16:creationId xmlns:a16="http://schemas.microsoft.com/office/drawing/2014/main" id="{390C26D6-284B-6A22-4AAD-F543E7A74CEA}"/>
+                <a16:creationId xmlns:a16="http://schemas.microsoft.com/office/drawing/2014/main" id="{B80CBD49-A09E-861C-BB77-B1C6D9FFC881}"/>
               </a:ext>
             </a:extLst>
           </p:cNvPr>
@@ -2992,7 +2992,7 @@
             </a:lvl1pPr>
           </a:lstStyle>
           <a:p>
-            <a:fld id="{CF38AE5F-EFDB-4FB7-9F05-65893EF8E220}" type="slidenum">
+            <a:fld id="{9E17BB54-ABF4-41C7-A47B-0C55D703B584}" type="slidenum">
               <a:rPr lang="zh-CN" altLang="en-US" smtClean="0"/>
               <a:t>‹#›</a:t>
             </a:fld>
@@ -3003,7 +3003,7 @@
     </p:spTree>
     <p:extLst>
       <p:ext uri="{BB962C8B-B14F-4D97-AF65-F5344CB8AC3E}">
-        <p14:creationId xmlns:p14="http://schemas.microsoft.com/office/powerpoint/2010/main" val="1886283842"/>
+        <p14:creationId xmlns:p14="http://schemas.microsoft.com/office/powerpoint/2010/main" val="3980252196"/>
       </p:ext>
     </p:extLst>
   </p:cSld>
